--- a/curriculum/Unit6/Poster 6.6.pptx
+++ b/curriculum/Unit6/Poster 6.6.pptx
@@ -2,10 +2,10 @@
 <file path=ppt/presentation.xml><?xml version="1.0" encoding="utf-8"?>
 <p:presentation xmlns:a="http://schemas.openxmlformats.org/drawingml/2006/main" xmlns:r="http://schemas.openxmlformats.org/officeDocument/2006/relationships" xmlns:p="http://schemas.openxmlformats.org/presentationml/2006/main" saveSubsetFonts="1">
   <p:sldMasterIdLst>
-    <p:sldMasterId id="2147483660" r:id="rId1"/>
+    <p:sldMasterId id="2147483660" r:id="rId4"/>
   </p:sldMasterIdLst>
   <p:sldIdLst>
-    <p:sldId id="257" r:id="rId2"/>
+    <p:sldId id="257" r:id="rId5"/>
   </p:sldIdLst>
   <p:sldSz cx="9144000" cy="6858000" type="screen4x3"/>
   <p:notesSz cx="6858000" cy="9144000"/>
@@ -104,6 +104,22 @@
       </a:defRPr>
     </a:lvl9pPr>
   </p:defaultTextStyle>
+  <p:extLst>
+    <p:ext uri="{EFAFB233-063F-42B5-8137-9DF3F51BA10A}">
+      <p15:sldGuideLst xmlns:p15="http://schemas.microsoft.com/office/powerpoint/2012/main">
+        <p15:guide id="1" orient="horz" pos="2160">
+          <p15:clr>
+            <a:srgbClr val="A4A3A4"/>
+          </p15:clr>
+        </p15:guide>
+        <p15:guide id="2" pos="2880">
+          <p15:clr>
+            <a:srgbClr val="A4A3A4"/>
+          </p15:clr>
+        </p15:guide>
+      </p15:sldGuideLst>
+    </p:ext>
+  </p:extLst>
 </p:presentation>
 </file>
 
@@ -147,7 +163,7 @@
           <a:lstStyle/>
           <a:p>
             <a:r>
-              <a:rPr lang="en-US" smtClean="0"/>
+              <a:rPr lang="en-US"/>
               <a:t>Click to edit Master title style</a:t>
             </a:r>
             <a:endParaRPr/>
@@ -269,7 +285,7 @@
           </a:lstStyle>
           <a:p>
             <a:r>
-              <a:rPr lang="en-US" smtClean="0"/>
+              <a:rPr lang="en-US"/>
               <a:t>Click to edit Master subtitle style</a:t>
             </a:r>
             <a:endParaRPr dirty="0"/>
@@ -293,7 +309,7 @@
           <a:p>
             <a:fld id="{70BA1CFD-BFF0-48BC-9BA5-4974D7A6AB15}" type="datetimeFigureOut">
               <a:rPr lang="en-US" smtClean="0"/>
-              <a:t>6/3/15</a:t>
+              <a:t>2018-03-05</a:t>
             </a:fld>
             <a:endParaRPr lang="en-US"/>
           </a:p>
@@ -431,7 +447,7 @@
           </a:lstStyle>
           <a:p>
             <a:r>
-              <a:rPr lang="en-US" smtClean="0"/>
+              <a:rPr lang="en-US"/>
               <a:t>Click to edit Master title style</a:t>
             </a:r>
             <a:endParaRPr/>
@@ -536,7 +552,7 @@
           </a:lstStyle>
           <a:p>
             <a:r>
-              <a:rPr lang="en-US" smtClean="0"/>
+              <a:rPr lang="en-US"/>
               <a:t>Drag picture to placeholder or click icon to add</a:t>
             </a:r>
             <a:endParaRPr/>
@@ -627,7 +643,7 @@
               <a:buNone/>
             </a:pPr>
             <a:r>
-              <a:rPr lang="en-US" smtClean="0"/>
+              <a:rPr lang="en-US"/>
               <a:t>Click to edit Master text styles</a:t>
             </a:r>
           </a:p>
@@ -650,7 +666,7 @@
           <a:p>
             <a:fld id="{70BA1CFD-BFF0-48BC-9BA5-4974D7A6AB15}" type="datetimeFigureOut">
               <a:rPr lang="en-US" smtClean="0"/>
-              <a:t>6/3/15</a:t>
+              <a:t>2018-03-05</a:t>
             </a:fld>
             <a:endParaRPr lang="en-US"/>
           </a:p>
@@ -739,7 +755,7 @@
           <a:lstStyle/>
           <a:p>
             <a:r>
-              <a:rPr lang="en-US" smtClean="0"/>
+              <a:rPr lang="en-US"/>
               <a:t>Click to edit Master title style</a:t>
             </a:r>
             <a:endParaRPr/>
@@ -767,35 +783,35 @@
           <a:p>
             <a:pPr lvl="0"/>
             <a:r>
-              <a:rPr lang="en-US" smtClean="0"/>
+              <a:rPr lang="en-US"/>
               <a:t>Click to edit Master text styles</a:t>
             </a:r>
           </a:p>
           <a:p>
             <a:pPr lvl="1"/>
             <a:r>
-              <a:rPr lang="en-US" smtClean="0"/>
+              <a:rPr lang="en-US"/>
               <a:t>Second level</a:t>
             </a:r>
           </a:p>
           <a:p>
             <a:pPr lvl="2"/>
             <a:r>
-              <a:rPr lang="en-US" smtClean="0"/>
+              <a:rPr lang="en-US"/>
               <a:t>Third level</a:t>
             </a:r>
           </a:p>
           <a:p>
             <a:pPr lvl="3"/>
             <a:r>
-              <a:rPr lang="en-US" smtClean="0"/>
+              <a:rPr lang="en-US"/>
               <a:t>Fourth level</a:t>
             </a:r>
           </a:p>
           <a:p>
             <a:pPr lvl="4"/>
             <a:r>
-              <a:rPr lang="en-US" smtClean="0"/>
+              <a:rPr lang="en-US"/>
               <a:t>Fifth level</a:t>
             </a:r>
             <a:endParaRPr dirty="0"/>
@@ -819,7 +835,7 @@
           <a:p>
             <a:fld id="{70BA1CFD-BFF0-48BC-9BA5-4974D7A6AB15}" type="datetimeFigureOut">
               <a:rPr lang="en-US" smtClean="0"/>
-              <a:t>6/3/15</a:t>
+              <a:t>2018-03-05</a:t>
             </a:fld>
             <a:endParaRPr lang="en-US"/>
           </a:p>
@@ -913,7 +929,7 @@
           <a:lstStyle/>
           <a:p>
             <a:r>
-              <a:rPr lang="en-US" smtClean="0"/>
+              <a:rPr lang="en-US"/>
               <a:t>Click to edit Master title style</a:t>
             </a:r>
             <a:endParaRPr/>
@@ -946,35 +962,35 @@
           <a:p>
             <a:pPr lvl="0"/>
             <a:r>
-              <a:rPr lang="en-US" smtClean="0"/>
+              <a:rPr lang="en-US"/>
               <a:t>Click to edit Master text styles</a:t>
             </a:r>
           </a:p>
           <a:p>
             <a:pPr lvl="1"/>
             <a:r>
-              <a:rPr lang="en-US" smtClean="0"/>
+              <a:rPr lang="en-US"/>
               <a:t>Second level</a:t>
             </a:r>
           </a:p>
           <a:p>
             <a:pPr lvl="2"/>
             <a:r>
-              <a:rPr lang="en-US" smtClean="0"/>
+              <a:rPr lang="en-US"/>
               <a:t>Third level</a:t>
             </a:r>
           </a:p>
           <a:p>
             <a:pPr lvl="3"/>
             <a:r>
-              <a:rPr lang="en-US" smtClean="0"/>
+              <a:rPr lang="en-US"/>
               <a:t>Fourth level</a:t>
             </a:r>
           </a:p>
           <a:p>
             <a:pPr lvl="4"/>
             <a:r>
-              <a:rPr lang="en-US" smtClean="0"/>
+              <a:rPr lang="en-US"/>
               <a:t>Fifth level</a:t>
             </a:r>
             <a:endParaRPr dirty="0"/>
@@ -998,7 +1014,7 @@
           <a:p>
             <a:fld id="{70BA1CFD-BFF0-48BC-9BA5-4974D7A6AB15}" type="datetimeFigureOut">
               <a:rPr lang="en-US" smtClean="0"/>
-              <a:t>6/3/15</a:t>
+              <a:t>2018-03-05</a:t>
             </a:fld>
             <a:endParaRPr lang="en-US"/>
           </a:p>
@@ -1087,7 +1103,7 @@
           <a:lstStyle/>
           <a:p>
             <a:r>
-              <a:rPr lang="en-US" smtClean="0"/>
+              <a:rPr lang="en-US"/>
               <a:t>Click to edit Master title style</a:t>
             </a:r>
             <a:endParaRPr/>
@@ -1115,35 +1131,35 @@
           <a:p>
             <a:pPr lvl="0"/>
             <a:r>
-              <a:rPr lang="en-US" smtClean="0"/>
+              <a:rPr lang="en-US"/>
               <a:t>Click to edit Master text styles</a:t>
             </a:r>
           </a:p>
           <a:p>
             <a:pPr lvl="1"/>
             <a:r>
-              <a:rPr lang="en-US" smtClean="0"/>
+              <a:rPr lang="en-US"/>
               <a:t>Second level</a:t>
             </a:r>
           </a:p>
           <a:p>
             <a:pPr lvl="2"/>
             <a:r>
-              <a:rPr lang="en-US" smtClean="0"/>
+              <a:rPr lang="en-US"/>
               <a:t>Third level</a:t>
             </a:r>
           </a:p>
           <a:p>
             <a:pPr lvl="3"/>
             <a:r>
-              <a:rPr lang="en-US" smtClean="0"/>
+              <a:rPr lang="en-US"/>
               <a:t>Fourth level</a:t>
             </a:r>
           </a:p>
           <a:p>
             <a:pPr lvl="4"/>
             <a:r>
-              <a:rPr lang="en-US" smtClean="0"/>
+              <a:rPr lang="en-US"/>
               <a:t>Fifth level</a:t>
             </a:r>
             <a:endParaRPr dirty="0"/>
@@ -1167,7 +1183,7 @@
           <a:p>
             <a:fld id="{70BA1CFD-BFF0-48BC-9BA5-4974D7A6AB15}" type="datetimeFigureOut">
               <a:rPr lang="en-US" smtClean="0"/>
-              <a:t>6/3/15</a:t>
+              <a:t>2018-03-05</a:t>
             </a:fld>
             <a:endParaRPr lang="en-US"/>
           </a:p>
@@ -1285,7 +1301,7 @@
           </a:lstStyle>
           <a:p>
             <a:r>
-              <a:rPr lang="en-US" smtClean="0"/>
+              <a:rPr lang="en-US"/>
               <a:t>Click to edit Master title style</a:t>
             </a:r>
             <a:endParaRPr/>
@@ -1421,7 +1437,7 @@
           <a:p>
             <a:pPr lvl="0"/>
             <a:r>
-              <a:rPr lang="en-US" smtClean="0"/>
+              <a:rPr lang="en-US"/>
               <a:t>Click to edit Master text styles</a:t>
             </a:r>
           </a:p>
@@ -1444,7 +1460,7 @@
           <a:p>
             <a:fld id="{70BA1CFD-BFF0-48BC-9BA5-4974D7A6AB15}" type="datetimeFigureOut">
               <a:rPr lang="en-US" smtClean="0"/>
-              <a:t>6/3/15</a:t>
+              <a:t>2018-03-05</a:t>
             </a:fld>
             <a:endParaRPr lang="en-US"/>
           </a:p>
@@ -1538,7 +1554,7 @@
           <a:lstStyle/>
           <a:p>
             <a:r>
-              <a:rPr lang="en-US" smtClean="0"/>
+              <a:rPr lang="en-US"/>
               <a:t>Click to edit Master title style</a:t>
             </a:r>
             <a:endParaRPr/>
@@ -1597,35 +1613,35 @@
           <a:p>
             <a:pPr lvl="0"/>
             <a:r>
-              <a:rPr lang="en-US" smtClean="0"/>
+              <a:rPr lang="en-US"/>
               <a:t>Click to edit Master text styles</a:t>
             </a:r>
           </a:p>
           <a:p>
             <a:pPr lvl="1"/>
             <a:r>
-              <a:rPr lang="en-US" smtClean="0"/>
+              <a:rPr lang="en-US"/>
               <a:t>Second level</a:t>
             </a:r>
           </a:p>
           <a:p>
             <a:pPr lvl="2"/>
             <a:r>
-              <a:rPr lang="en-US" smtClean="0"/>
+              <a:rPr lang="en-US"/>
               <a:t>Third level</a:t>
             </a:r>
           </a:p>
           <a:p>
             <a:pPr lvl="3"/>
             <a:r>
-              <a:rPr lang="en-US" smtClean="0"/>
+              <a:rPr lang="en-US"/>
               <a:t>Fourth level</a:t>
             </a:r>
           </a:p>
           <a:p>
             <a:pPr lvl="4"/>
             <a:r>
-              <a:rPr lang="en-US" smtClean="0"/>
+              <a:rPr lang="en-US"/>
               <a:t>Fifth level</a:t>
             </a:r>
             <a:endParaRPr dirty="0"/>
@@ -1684,35 +1700,35 @@
           <a:p>
             <a:pPr lvl="0"/>
             <a:r>
-              <a:rPr lang="en-US" smtClean="0"/>
+              <a:rPr lang="en-US"/>
               <a:t>Click to edit Master text styles</a:t>
             </a:r>
           </a:p>
           <a:p>
             <a:pPr lvl="1"/>
             <a:r>
-              <a:rPr lang="en-US" smtClean="0"/>
+              <a:rPr lang="en-US"/>
               <a:t>Second level</a:t>
             </a:r>
           </a:p>
           <a:p>
             <a:pPr lvl="2"/>
             <a:r>
-              <a:rPr lang="en-US" smtClean="0"/>
+              <a:rPr lang="en-US"/>
               <a:t>Third level</a:t>
             </a:r>
           </a:p>
           <a:p>
             <a:pPr lvl="3"/>
             <a:r>
-              <a:rPr lang="en-US" smtClean="0"/>
+              <a:rPr lang="en-US"/>
               <a:t>Fourth level</a:t>
             </a:r>
           </a:p>
           <a:p>
             <a:pPr lvl="4"/>
             <a:r>
-              <a:rPr lang="en-US" smtClean="0"/>
+              <a:rPr lang="en-US"/>
               <a:t>Fifth level</a:t>
             </a:r>
             <a:endParaRPr dirty="0"/>
@@ -1736,7 +1752,7 @@
           <a:p>
             <a:fld id="{70BA1CFD-BFF0-48BC-9BA5-4974D7A6AB15}" type="datetimeFigureOut">
               <a:rPr lang="en-US" smtClean="0"/>
-              <a:t>6/3/15</a:t>
+              <a:t>2018-03-05</a:t>
             </a:fld>
             <a:endParaRPr lang="en-US"/>
           </a:p>
@@ -1834,7 +1850,7 @@
           </a:lstStyle>
           <a:p>
             <a:r>
-              <a:rPr lang="en-US" smtClean="0"/>
+              <a:rPr lang="en-US"/>
               <a:t>Click to edit Master title style</a:t>
             </a:r>
             <a:endParaRPr/>
@@ -1905,7 +1921,7 @@
           <a:p>
             <a:pPr lvl="0"/>
             <a:r>
-              <a:rPr lang="en-US" smtClean="0"/>
+              <a:rPr lang="en-US"/>
               <a:t>Click to edit Master text styles</a:t>
             </a:r>
           </a:p>
@@ -1963,35 +1979,35 @@
           <a:p>
             <a:pPr lvl="0"/>
             <a:r>
-              <a:rPr lang="en-US" smtClean="0"/>
+              <a:rPr lang="en-US"/>
               <a:t>Click to edit Master text styles</a:t>
             </a:r>
           </a:p>
           <a:p>
             <a:pPr lvl="1"/>
             <a:r>
-              <a:rPr lang="en-US" smtClean="0"/>
+              <a:rPr lang="en-US"/>
               <a:t>Second level</a:t>
             </a:r>
           </a:p>
           <a:p>
             <a:pPr lvl="2"/>
             <a:r>
-              <a:rPr lang="en-US" smtClean="0"/>
+              <a:rPr lang="en-US"/>
               <a:t>Third level</a:t>
             </a:r>
           </a:p>
           <a:p>
             <a:pPr lvl="3"/>
             <a:r>
-              <a:rPr lang="en-US" smtClean="0"/>
+              <a:rPr lang="en-US"/>
               <a:t>Fourth level</a:t>
             </a:r>
           </a:p>
           <a:p>
             <a:pPr lvl="4"/>
             <a:r>
-              <a:rPr lang="en-US" smtClean="0"/>
+              <a:rPr lang="en-US"/>
               <a:t>Fifth level</a:t>
             </a:r>
             <a:endParaRPr dirty="0"/>
@@ -2062,7 +2078,7 @@
           <a:p>
             <a:pPr lvl="0"/>
             <a:r>
-              <a:rPr lang="en-US" smtClean="0"/>
+              <a:rPr lang="en-US"/>
               <a:t>Click to edit Master text styles</a:t>
             </a:r>
           </a:p>
@@ -2120,35 +2136,35 @@
           <a:p>
             <a:pPr lvl="0"/>
             <a:r>
-              <a:rPr lang="en-US" smtClean="0"/>
+              <a:rPr lang="en-US"/>
               <a:t>Click to edit Master text styles</a:t>
             </a:r>
           </a:p>
           <a:p>
             <a:pPr lvl="1"/>
             <a:r>
-              <a:rPr lang="en-US" smtClean="0"/>
+              <a:rPr lang="en-US"/>
               <a:t>Second level</a:t>
             </a:r>
           </a:p>
           <a:p>
             <a:pPr lvl="2"/>
             <a:r>
-              <a:rPr lang="en-US" smtClean="0"/>
+              <a:rPr lang="en-US"/>
               <a:t>Third level</a:t>
             </a:r>
           </a:p>
           <a:p>
             <a:pPr lvl="3"/>
             <a:r>
-              <a:rPr lang="en-US" smtClean="0"/>
+              <a:rPr lang="en-US"/>
               <a:t>Fourth level</a:t>
             </a:r>
           </a:p>
           <a:p>
             <a:pPr lvl="4"/>
             <a:r>
-              <a:rPr lang="en-US" smtClean="0"/>
+              <a:rPr lang="en-US"/>
               <a:t>Fifth level</a:t>
             </a:r>
             <a:endParaRPr dirty="0"/>
@@ -2172,7 +2188,7 @@
           <a:p>
             <a:fld id="{70BA1CFD-BFF0-48BC-9BA5-4974D7A6AB15}" type="datetimeFigureOut">
               <a:rPr lang="en-US" smtClean="0"/>
-              <a:t>6/3/15</a:t>
+              <a:t>2018-03-05</a:t>
             </a:fld>
             <a:endParaRPr lang="en-US"/>
           </a:p>
@@ -2261,7 +2277,7 @@
           <a:lstStyle/>
           <a:p>
             <a:r>
-              <a:rPr lang="en-US" smtClean="0"/>
+              <a:rPr lang="en-US"/>
               <a:t>Click to edit Master title style</a:t>
             </a:r>
             <a:endParaRPr/>
@@ -2285,7 +2301,7 @@
           <a:p>
             <a:fld id="{70BA1CFD-BFF0-48BC-9BA5-4974D7A6AB15}" type="datetimeFigureOut">
               <a:rPr lang="en-US" smtClean="0"/>
-              <a:t>6/3/15</a:t>
+              <a:t>2018-03-05</a:t>
             </a:fld>
             <a:endParaRPr lang="en-US"/>
           </a:p>
@@ -2375,7 +2391,7 @@
           <a:p>
             <a:fld id="{70BA1CFD-BFF0-48BC-9BA5-4974D7A6AB15}" type="datetimeFigureOut">
               <a:rPr lang="en-US" smtClean="0"/>
-              <a:t>6/3/15</a:t>
+              <a:t>2018-03-05</a:t>
             </a:fld>
             <a:endParaRPr lang="en-US"/>
           </a:p>
@@ -2475,7 +2491,7 @@
           </a:lstStyle>
           <a:p>
             <a:r>
-              <a:rPr lang="en-US" smtClean="0"/>
+              <a:rPr lang="en-US"/>
               <a:t>Click to edit Master title style</a:t>
             </a:r>
             <a:endParaRPr/>
@@ -2590,35 +2606,35 @@
           <a:p>
             <a:pPr lvl="0"/>
             <a:r>
-              <a:rPr lang="en-US" smtClean="0"/>
+              <a:rPr lang="en-US"/>
               <a:t>Click to edit Master text styles</a:t>
             </a:r>
           </a:p>
           <a:p>
             <a:pPr lvl="1"/>
             <a:r>
-              <a:rPr lang="en-US" smtClean="0"/>
+              <a:rPr lang="en-US"/>
               <a:t>Second level</a:t>
             </a:r>
           </a:p>
           <a:p>
             <a:pPr lvl="2"/>
             <a:r>
-              <a:rPr lang="en-US" smtClean="0"/>
+              <a:rPr lang="en-US"/>
               <a:t>Third level</a:t>
             </a:r>
           </a:p>
           <a:p>
             <a:pPr lvl="3"/>
             <a:r>
-              <a:rPr lang="en-US" smtClean="0"/>
+              <a:rPr lang="en-US"/>
               <a:t>Fourth level</a:t>
             </a:r>
           </a:p>
           <a:p>
             <a:pPr lvl="4"/>
             <a:r>
-              <a:rPr lang="en-US" smtClean="0"/>
+              <a:rPr lang="en-US"/>
               <a:t>Fifth level</a:t>
             </a:r>
             <a:endParaRPr dirty="0"/>
@@ -2689,7 +2705,7 @@
           <a:p>
             <a:pPr lvl="0"/>
             <a:r>
-              <a:rPr lang="en-US" smtClean="0"/>
+              <a:rPr lang="en-US"/>
               <a:t>Click to edit Master text styles</a:t>
             </a:r>
           </a:p>
@@ -2712,7 +2728,7 @@
           <a:p>
             <a:fld id="{70BA1CFD-BFF0-48BC-9BA5-4974D7A6AB15}" type="datetimeFigureOut">
               <a:rPr lang="en-US" smtClean="0"/>
-              <a:t>6/3/15</a:t>
+              <a:t>2018-03-05</a:t>
             </a:fld>
             <a:endParaRPr lang="en-US"/>
           </a:p>
@@ -2826,7 +2842,7 @@
           </a:lstStyle>
           <a:p>
             <a:r>
-              <a:rPr lang="en-US" smtClean="0"/>
+              <a:rPr lang="en-US"/>
               <a:t>Click to edit Master title style</a:t>
             </a:r>
             <a:endParaRPr/>
@@ -2913,7 +2929,7 @@
           </a:lstStyle>
           <a:p>
             <a:r>
-              <a:rPr lang="en-US" smtClean="0"/>
+              <a:rPr lang="en-US"/>
               <a:t>Drag picture to placeholder or click icon to add</a:t>
             </a:r>
             <a:endParaRPr/>
@@ -3004,7 +3020,7 @@
               <a:buNone/>
             </a:pPr>
             <a:r>
-              <a:rPr lang="en-US" smtClean="0"/>
+              <a:rPr lang="en-US"/>
               <a:t>Click to edit Master text styles</a:t>
             </a:r>
           </a:p>
@@ -3027,7 +3043,7 @@
           <a:p>
             <a:fld id="{70BA1CFD-BFF0-48BC-9BA5-4974D7A6AB15}" type="datetimeFigureOut">
               <a:rPr lang="en-US" smtClean="0"/>
-              <a:t>6/3/15</a:t>
+              <a:t>2018-03-05</a:t>
             </a:fld>
             <a:endParaRPr lang="en-US"/>
           </a:p>
@@ -3162,7 +3178,7 @@
           <a:lstStyle/>
           <a:p>
             <a:r>
-              <a:rPr lang="en-US" smtClean="0"/>
+              <a:rPr lang="en-US"/>
               <a:t>Click to edit Master title style</a:t>
             </a:r>
             <a:endParaRPr/>
@@ -3196,35 +3212,35 @@
           <a:p>
             <a:pPr lvl="0"/>
             <a:r>
-              <a:rPr lang="en-US" smtClean="0"/>
+              <a:rPr lang="en-US"/>
               <a:t>Click to edit Master text styles</a:t>
             </a:r>
           </a:p>
           <a:p>
             <a:pPr lvl="1"/>
             <a:r>
-              <a:rPr lang="en-US" smtClean="0"/>
+              <a:rPr lang="en-US"/>
               <a:t>Second level</a:t>
             </a:r>
           </a:p>
           <a:p>
             <a:pPr lvl="2"/>
             <a:r>
-              <a:rPr lang="en-US" smtClean="0"/>
+              <a:rPr lang="en-US"/>
               <a:t>Third level</a:t>
             </a:r>
           </a:p>
           <a:p>
             <a:pPr lvl="3"/>
             <a:r>
-              <a:rPr lang="en-US" smtClean="0"/>
+              <a:rPr lang="en-US"/>
               <a:t>Fourth level</a:t>
             </a:r>
           </a:p>
           <a:p>
             <a:pPr lvl="4"/>
             <a:r>
-              <a:rPr lang="en-US" smtClean="0"/>
+              <a:rPr lang="en-US"/>
               <a:t>Fifth level</a:t>
             </a:r>
             <a:endParaRPr dirty="0"/>
@@ -3273,7 +3289,7 @@
           <a:p>
             <a:fld id="{70BA1CFD-BFF0-48BC-9BA5-4974D7A6AB15}" type="datetimeFigureOut">
               <a:rPr lang="en-US" smtClean="0"/>
-              <a:t>6/3/15</a:t>
+              <a:t>2018-03-05</a:t>
             </a:fld>
             <a:endParaRPr lang="en-US"/>
           </a:p>
@@ -3769,17 +3785,16 @@
           <a:lstStyle/>
           <a:p>
             <a:r>
-              <a:rPr lang="en-US" sz="4000" dirty="0" smtClean="0"/>
+              <a:rPr lang="en-US" sz="4000" dirty="0"/>
               <a:t>What Do I Include in </a:t>
             </a:r>
             <a:br>
-              <a:rPr lang="en-US" sz="4000" dirty="0" smtClean="0"/>
+              <a:rPr lang="en-US" sz="4000" dirty="0"/>
             </a:br>
             <a:r>
-              <a:rPr lang="en-US" sz="4000" dirty="0" smtClean="0"/>
+              <a:rPr lang="en-US" sz="4000" dirty="0"/>
               <a:t>Classes &amp; Interfaces?</a:t>
             </a:r>
-            <a:endParaRPr lang="en-US" sz="4000" dirty="0"/>
           </a:p>
         </p:txBody>
       </p:sp>
@@ -3793,7 +3808,7 @@
             <p:ph type="pic" idx="1"/>
             <p:extLst>
               <p:ext uri="{D42A27DB-BD31-4B8C-83A1-F6EECF244321}">
-                <p14:modId xmlns:p14="http://schemas.microsoft.com/office/powerpoint/2010/main" val="1602040252"/>
+                <p14:modId xmlns:p14="http://schemas.microsoft.com/office/powerpoint/2010/main" val="1254341068"/>
               </p:ext>
             </p:extLst>
           </p:nvPr>
@@ -3809,10 +3824,34 @@
                 <a:tableStyleId>{C083E6E3-FA7D-4D7B-A595-EF9225AFEA82}</a:tableStyleId>
               </a:tblPr>
               <a:tblGrid>
-                <a:gridCol w="2603336"/>
-                <a:gridCol w="2013488"/>
-                <a:gridCol w="2002118"/>
-                <a:gridCol w="1912470"/>
+                <a:gridCol w="2603336">
+                  <a:extLst>
+                    <a:ext uri="{9D8B030D-6E8A-4147-A177-3AD203B41FA5}">
+                      <a16:colId xmlns:a16="http://schemas.microsoft.com/office/drawing/2014/main" val="20000"/>
+                    </a:ext>
+                  </a:extLst>
+                </a:gridCol>
+                <a:gridCol w="2013488">
+                  <a:extLst>
+                    <a:ext uri="{9D8B030D-6E8A-4147-A177-3AD203B41FA5}">
+                      <a16:colId xmlns:a16="http://schemas.microsoft.com/office/drawing/2014/main" val="20001"/>
+                    </a:ext>
+                  </a:extLst>
+                </a:gridCol>
+                <a:gridCol w="2002118">
+                  <a:extLst>
+                    <a:ext uri="{9D8B030D-6E8A-4147-A177-3AD203B41FA5}">
+                      <a16:colId xmlns:a16="http://schemas.microsoft.com/office/drawing/2014/main" val="20002"/>
+                    </a:ext>
+                  </a:extLst>
+                </a:gridCol>
+                <a:gridCol w="1912470">
+                  <a:extLst>
+                    <a:ext uri="{9D8B030D-6E8A-4147-A177-3AD203B41FA5}">
+                      <a16:colId xmlns:a16="http://schemas.microsoft.com/office/drawing/2014/main" val="20003"/>
+                    </a:ext>
+                  </a:extLst>
+                </a:gridCol>
               </a:tblGrid>
               <a:tr h="755126">
                 <a:tc>
@@ -3832,7 +3871,7 @@
                     <a:p>
                       <a:pPr algn="ctr"/>
                       <a:r>
-                        <a:rPr lang="en-US" sz="2400" dirty="0" smtClean="0">
+                        <a:rPr lang="en-US" sz="2400" dirty="0">
                           <a:effectLst>
                             <a:outerShdw blurRad="50800" dist="38100" dir="5400000" algn="t" rotWithShape="0">
                               <a:prstClr val="black">
@@ -3843,15 +3882,6 @@
                         </a:rPr>
                         <a:t>Class</a:t>
                       </a:r>
-                      <a:endParaRPr lang="en-US" sz="2400" dirty="0">
-                        <a:effectLst>
-                          <a:outerShdw blurRad="50800" dist="38100" dir="5400000" algn="t" rotWithShape="0">
-                            <a:prstClr val="black">
-                              <a:alpha val="40000"/>
-                            </a:prstClr>
-                          </a:outerShdw>
-                        </a:effectLst>
-                      </a:endParaRPr>
                     </a:p>
                   </a:txBody>
                   <a:tcPr anchor="ctr"/>
@@ -3863,7 +3893,7 @@
                     <a:p>
                       <a:pPr algn="ctr"/>
                       <a:r>
-                        <a:rPr lang="en-US" sz="2400" dirty="0" smtClean="0">
+                        <a:rPr lang="en-US" sz="2400" dirty="0">
                           <a:effectLst>
                             <a:outerShdw blurRad="50800" dist="38100" dir="5400000" algn="t" rotWithShape="0">
                               <a:prstClr val="black">
@@ -3874,15 +3904,6 @@
                         </a:rPr>
                         <a:t>Abstract Class</a:t>
                       </a:r>
-                      <a:endParaRPr lang="en-US" sz="2400" dirty="0">
-                        <a:effectLst>
-                          <a:outerShdw blurRad="50800" dist="38100" dir="5400000" algn="t" rotWithShape="0">
-                            <a:prstClr val="black">
-                              <a:alpha val="40000"/>
-                            </a:prstClr>
-                          </a:outerShdw>
-                        </a:effectLst>
-                      </a:endParaRPr>
                     </a:p>
                   </a:txBody>
                   <a:tcPr anchor="ctr"/>
@@ -3894,7 +3915,7 @@
                     <a:p>
                       <a:pPr algn="ctr"/>
                       <a:r>
-                        <a:rPr lang="en-US" sz="2400" dirty="0" smtClean="0">
+                        <a:rPr lang="en-US" sz="2400" dirty="0">
                           <a:effectLst>
                             <a:outerShdw blurRad="50800" dist="38100" dir="5400000" algn="t" rotWithShape="0">
                               <a:prstClr val="black">
@@ -3905,19 +3926,15 @@
                         </a:rPr>
                         <a:t>Interface</a:t>
                       </a:r>
-                      <a:endParaRPr lang="en-US" sz="2400" dirty="0">
-                        <a:effectLst>
-                          <a:outerShdw blurRad="50800" dist="38100" dir="5400000" algn="t" rotWithShape="0">
-                            <a:prstClr val="black">
-                              <a:alpha val="40000"/>
-                            </a:prstClr>
-                          </a:outerShdw>
-                        </a:effectLst>
-                      </a:endParaRPr>
                     </a:p>
                   </a:txBody>
                   <a:tcPr anchor="ctr"/>
                 </a:tc>
+                <a:extLst>
+                  <a:ext uri="{0D108BD9-81ED-4DB2-BD59-A6C34878D82A}">
+                    <a16:rowId xmlns:a16="http://schemas.microsoft.com/office/drawing/2014/main" val="10000"/>
+                  </a:ext>
+                </a:extLst>
               </a:tr>
               <a:tr h="762674">
                 <a:tc>
@@ -3926,10 +3943,9 @@
                     <a:lstStyle/>
                     <a:p>
                       <a:r>
-                        <a:rPr lang="en-US" dirty="0" smtClean="0"/>
+                        <a:rPr lang="en-US" dirty="0"/>
                         <a:t>Include fields?</a:t>
                       </a:r>
-                      <a:endParaRPr lang="en-US" dirty="0"/>
                     </a:p>
                   </a:txBody>
                   <a:tcPr anchor="ctr"/>
@@ -3964,6 +3980,11 @@
                   </a:txBody>
                   <a:tcPr/>
                 </a:tc>
+                <a:extLst>
+                  <a:ext uri="{0D108BD9-81ED-4DB2-BD59-A6C34878D82A}">
+                    <a16:rowId xmlns:a16="http://schemas.microsoft.com/office/drawing/2014/main" val="10001"/>
+                  </a:ext>
+                </a:extLst>
               </a:tr>
               <a:tr h="762674">
                 <a:tc>
@@ -3972,10 +3993,9 @@
                     <a:lstStyle/>
                     <a:p>
                       <a:r>
-                        <a:rPr lang="en-US" dirty="0" smtClean="0"/>
+                        <a:rPr lang="en-US" dirty="0"/>
                         <a:t>Include constructor?</a:t>
                       </a:r>
-                      <a:endParaRPr lang="en-US" dirty="0"/>
                     </a:p>
                   </a:txBody>
                   <a:tcPr anchor="ctr"/>
@@ -4010,6 +4030,11 @@
                   </a:txBody>
                   <a:tcPr/>
                 </a:tc>
+                <a:extLst>
+                  <a:ext uri="{0D108BD9-81ED-4DB2-BD59-A6C34878D82A}">
+                    <a16:rowId xmlns:a16="http://schemas.microsoft.com/office/drawing/2014/main" val="10002"/>
+                  </a:ext>
+                </a:extLst>
               </a:tr>
               <a:tr h="829672">
                 <a:tc>
@@ -4018,11 +4043,11 @@
                     <a:lstStyle/>
                     <a:p>
                       <a:r>
-                        <a:rPr lang="en-US" dirty="0" smtClean="0"/>
+                        <a:rPr lang="en-US" dirty="0"/>
                         <a:t>Include method</a:t>
                       </a:r>
                       <a:r>
-                        <a:rPr lang="en-US" baseline="0" dirty="0" smtClean="0"/>
+                        <a:rPr lang="en-US" baseline="0" dirty="0"/>
                         <a:t> header?</a:t>
                       </a:r>
                       <a:endParaRPr lang="en-US" dirty="0"/>
@@ -4060,6 +4085,11 @@
                   </a:txBody>
                   <a:tcPr/>
                 </a:tc>
+                <a:extLst>
+                  <a:ext uri="{0D108BD9-81ED-4DB2-BD59-A6C34878D82A}">
+                    <a16:rowId xmlns:a16="http://schemas.microsoft.com/office/drawing/2014/main" val="10003"/>
+                  </a:ext>
+                </a:extLst>
               </a:tr>
               <a:tr h="762674">
                 <a:tc>
@@ -4068,10 +4098,9 @@
                     <a:lstStyle/>
                     <a:p>
                       <a:r>
-                        <a:rPr lang="en-US" dirty="0" smtClean="0"/>
+                        <a:rPr lang="en-US" dirty="0"/>
                         <a:t>Include method body?</a:t>
                       </a:r>
-                      <a:endParaRPr lang="en-US" dirty="0"/>
                     </a:p>
                   </a:txBody>
                   <a:tcPr anchor="ctr"/>
@@ -4106,6 +4135,11 @@
                   </a:txBody>
                   <a:tcPr/>
                 </a:tc>
+                <a:extLst>
+                  <a:ext uri="{0D108BD9-81ED-4DB2-BD59-A6C34878D82A}">
+                    <a16:rowId xmlns:a16="http://schemas.microsoft.com/office/drawing/2014/main" val="10004"/>
+                  </a:ext>
+                </a:extLst>
               </a:tr>
               <a:tr h="762674">
                 <a:tc>
@@ -4114,10 +4148,9 @@
                     <a:lstStyle/>
                     <a:p>
                       <a:r>
-                        <a:rPr lang="en-US" dirty="0" smtClean="0"/>
+                        <a:rPr lang="en-US" dirty="0"/>
                         <a:t>Use new_ ?</a:t>
                       </a:r>
-                      <a:endParaRPr lang="en-US" dirty="0"/>
                     </a:p>
                   </a:txBody>
                   <a:tcPr anchor="ctr"/>
@@ -4152,6 +4185,11 @@
                   </a:txBody>
                   <a:tcPr/>
                 </a:tc>
+                <a:extLst>
+                  <a:ext uri="{0D108BD9-81ED-4DB2-BD59-A6C34878D82A}">
+                    <a16:rowId xmlns:a16="http://schemas.microsoft.com/office/drawing/2014/main" val="10005"/>
+                  </a:ext>
+                </a:extLst>
               </a:tr>
             </a:tbl>
           </a:graphicData>
@@ -4221,7 +4259,7 @@
         </p:blipFill>
         <p:spPr>
           <a:xfrm>
-            <a:off x="7599080" y="3742272"/>
+            <a:off x="7592312" y="4556717"/>
             <a:ext cx="509495" cy="655065"/>
           </a:xfrm>
           <a:prstGeom prst="rect">
@@ -4237,7 +4275,7 @@
         </p:nvSpPr>
         <p:spPr>
           <a:xfrm>
-            <a:off x="4646705" y="3883739"/>
+            <a:off x="4573081" y="4661787"/>
             <a:ext cx="2667406" cy="461665"/>
           </a:xfrm>
           <a:prstGeom prst="rect">
@@ -4268,7 +4306,7 @@
           <a:p>
             <a:pPr algn="ctr"/>
             <a:r>
-              <a:rPr lang="en-US" sz="2400" b="1" i="1" cap="all" dirty="0" smtClean="0">
+              <a:rPr lang="en-US" sz="2400" b="1" i="1" cap="all" dirty="0">
                 <a:ln/>
                 <a:solidFill>
                   <a:schemeClr val="accent1"/>
@@ -4285,21 +4323,6 @@
               </a:rPr>
               <a:t>SOMETIMES!*</a:t>
             </a:r>
-            <a:endParaRPr lang="en-US" sz="2400" b="1" i="1" cap="all" dirty="0">
-              <a:ln/>
-              <a:solidFill>
-                <a:schemeClr val="accent1"/>
-              </a:solidFill>
-              <a:effectLst>
-                <a:outerShdw blurRad="19685" dist="12700" dir="5400000" algn="tl" rotWithShape="0">
-                  <a:schemeClr val="accent1">
-                    <a:satMod val="130000"/>
-                    <a:alpha val="60000"/>
-                  </a:schemeClr>
-                </a:outerShdw>
-                <a:reflection blurRad="10000" stA="55000" endPos="48000" dist="500" dir="5400000" sy="-100000" algn="bl" rotWithShape="0"/>
-              </a:effectLst>
-            </a:endParaRPr>
           </a:p>
         </p:txBody>
       </p:sp>
@@ -4341,7 +4364,7 @@
           <a:lstStyle/>
           <a:p>
             <a:r>
-              <a:rPr lang="en-US" sz="2400" b="1" i="1" cap="all" dirty="0" smtClean="0">
+              <a:rPr lang="en-US" sz="2400" b="1" i="1" cap="all" dirty="0">
                 <a:ln/>
                 <a:solidFill>
                   <a:schemeClr val="accent1"/>
@@ -4358,21 +4381,6 @@
               </a:rPr>
               <a:t>*</a:t>
             </a:r>
-            <a:endParaRPr lang="en-US" sz="2400" b="1" i="1" cap="all" dirty="0">
-              <a:ln/>
-              <a:solidFill>
-                <a:schemeClr val="accent1"/>
-              </a:solidFill>
-              <a:effectLst>
-                <a:outerShdw blurRad="19685" dist="12700" dir="5400000" algn="tl" rotWithShape="0">
-                  <a:schemeClr val="accent1">
-                    <a:satMod val="130000"/>
-                    <a:alpha val="60000"/>
-                  </a:schemeClr>
-                </a:outerShdw>
-                <a:reflection blurRad="10000" stA="55000" endPos="48000" dist="500" dir="5400000" sy="-100000" algn="bl" rotWithShape="0"/>
-              </a:effectLst>
-            </a:endParaRPr>
           </a:p>
         </p:txBody>
       </p:sp>
@@ -4399,18 +4407,17 @@
           <a:lstStyle/>
           <a:p>
             <a:r>
-              <a:rPr lang="en-US" dirty="0" smtClean="0"/>
+              <a:rPr lang="en-US" dirty="0"/>
               <a:t>The abstract class serves as a base for a </a:t>
             </a:r>
             <a:r>
-              <a:rPr lang="en-US" smtClean="0"/>
+              <a:rPr lang="en-US"/>
               <a:t>subclass.  </a:t>
             </a:r>
             <a:r>
-              <a:rPr lang="en-US" dirty="0" smtClean="0"/>
+              <a:rPr lang="en-US" dirty="0"/>
               <a:t>For some methods you’ll leave out the method body for the subclass to implement.</a:t>
             </a:r>
-            <a:endParaRPr lang="en-US" dirty="0"/>
           </a:p>
         </p:txBody>
       </p:sp>
@@ -4478,7 +4485,7 @@
         </p:blipFill>
         <p:spPr>
           <a:xfrm>
-            <a:off x="3485020" y="3742272"/>
+            <a:off x="3485020" y="3769415"/>
             <a:ext cx="524447" cy="603724"/>
           </a:xfrm>
           <a:prstGeom prst="rect">
@@ -4598,7 +4605,7 @@
         </p:blipFill>
         <p:spPr>
           <a:xfrm>
-            <a:off x="5609435" y="4591196"/>
+            <a:off x="5609434" y="3769415"/>
             <a:ext cx="524447" cy="603724"/>
           </a:xfrm>
           <a:prstGeom prst="rect">
@@ -4622,7 +4629,7 @@
         </p:blipFill>
         <p:spPr>
           <a:xfrm>
-            <a:off x="7599080" y="4649520"/>
+            <a:off x="7577360" y="3789589"/>
             <a:ext cx="524447" cy="603724"/>
           </a:xfrm>
           <a:prstGeom prst="rect">
@@ -4646,7 +4653,7 @@
         </p:blipFill>
         <p:spPr>
           <a:xfrm>
-            <a:off x="7614032" y="5396113"/>
+            <a:off x="7599080" y="5353001"/>
             <a:ext cx="509495" cy="655065"/>
           </a:xfrm>
           <a:prstGeom prst="rect">
@@ -4937,6 +4944,21 @@
 </file>
 
 <file path=customXml/item1.xml><?xml version="1.0" encoding="utf-8"?>
+<p:properties xmlns:p="http://schemas.microsoft.com/office/2006/metadata/properties" xmlns:xsi="http://www.w3.org/2001/XMLSchema-instance" xmlns:pc="http://schemas.microsoft.com/office/infopath/2007/PartnerControls">
+  <documentManagement/>
+</p:properties>
+</file>
+
+<file path=customXml/item2.xml><?xml version="1.0" encoding="utf-8"?>
+<?mso-contentType ?>
+<FormTemplates xmlns="http://schemas.microsoft.com/sharepoint/v3/contenttype/forms">
+  <Display>DocumentLibraryForm</Display>
+  <Edit>DocumentLibraryForm</Edit>
+  <New>DocumentLibraryForm</New>
+</FormTemplates>
+</file>
+
+<file path=customXml/item3.xml><?xml version="1.0" encoding="utf-8"?>
 <ct:contentTypeSchema xmlns:ct="http://schemas.microsoft.com/office/2006/metadata/contentType" xmlns:ma="http://schemas.microsoft.com/office/2006/metadata/properties/metaAttributes" ct:_="" ma:_="" ma:contentTypeName="Document" ma:contentTypeID="0x010100BABADD3A0624AA4E97287821B8F4D7D6" ma:contentTypeVersion="3" ma:contentTypeDescription="Create a new document." ma:contentTypeScope="" ma:versionID="e0073545f5cddffb46c9fa8d01738dd8">
   <xsd:schema xmlns:xsd="http://www.w3.org/2001/XMLSchema" xmlns:xs="http://www.w3.org/2001/XMLSchema" xmlns:p="http://schemas.microsoft.com/office/2006/metadata/properties" xmlns:ns2="5edd459b-714d-42ed-b78f-512da7d1c14e" targetNamespace="http://schemas.microsoft.com/office/2006/metadata/properties" ma:root="true" ma:fieldsID="5b223eadad92f795ae696ccb91d8f218" ns2:_="">
     <xsd:import namespace="5edd459b-714d-42ed-b78f-512da7d1c14e"/>
@@ -5090,29 +5112,37 @@
 </ct:contentTypeSchema>
 </file>
 
-<file path=customXml/item2.xml><?xml version="1.0" encoding="utf-8"?>
-<?mso-contentType ?>
-<FormTemplates xmlns="http://schemas.microsoft.com/sharepoint/v3/contenttype/forms">
-  <Display>DocumentLibraryForm</Display>
-  <Edit>DocumentLibraryForm</Edit>
-  <New>DocumentLibraryForm</New>
-</FormTemplates>
-</file>
-
-<file path=customXml/item3.xml><?xml version="1.0" encoding="utf-8"?>
-<p:properties xmlns:p="http://schemas.microsoft.com/office/2006/metadata/properties" xmlns:xsi="http://www.w3.org/2001/XMLSchema-instance" xmlns:pc="http://schemas.microsoft.com/office/infopath/2007/PartnerControls">
-  <documentManagement/>
-</p:properties>
-</file>
-
 <file path=customXml/itemProps1.xml><?xml version="1.0" encoding="utf-8"?>
-<ds:datastoreItem xmlns:ds="http://schemas.openxmlformats.org/officeDocument/2006/customXml" ds:itemID="{5599D29E-7C28-46C6-A5B3-BDBEDA9ACE25}"/>
+<ds:datastoreItem xmlns:ds="http://schemas.openxmlformats.org/officeDocument/2006/customXml" ds:itemID="{BB982B54-8951-49C6-93ED-FBD2C50BA219}">
+  <ds:schemaRefs>
+    <ds:schemaRef ds:uri="http://schemas.microsoft.com/office/2006/metadata/properties"/>
+    <ds:schemaRef ds:uri="http://schemas.microsoft.com/office/infopath/2007/PartnerControls"/>
+  </ds:schemaRefs>
+</ds:datastoreItem>
 </file>
 
 <file path=customXml/itemProps2.xml><?xml version="1.0" encoding="utf-8"?>
-<ds:datastoreItem xmlns:ds="http://schemas.openxmlformats.org/officeDocument/2006/customXml" ds:itemID="{7F22FED2-A8B6-47EF-9A5D-226A11D3F45F}"/>
+<ds:datastoreItem xmlns:ds="http://schemas.openxmlformats.org/officeDocument/2006/customXml" ds:itemID="{7F22FED2-A8B6-47EF-9A5D-226A11D3F45F}">
+  <ds:schemaRefs>
+    <ds:schemaRef ds:uri="http://schemas.microsoft.com/sharepoint/v3/contenttype/forms"/>
+  </ds:schemaRefs>
+</ds:datastoreItem>
 </file>
 
 <file path=customXml/itemProps3.xml><?xml version="1.0" encoding="utf-8"?>
-<ds:datastoreItem xmlns:ds="http://schemas.openxmlformats.org/officeDocument/2006/customXml" ds:itemID="{BB982B54-8951-49C6-93ED-FBD2C50BA219}"/>
+<ds:datastoreItem xmlns:ds="http://schemas.openxmlformats.org/officeDocument/2006/customXml" ds:itemID="{5599D29E-7C28-46C6-A5B3-BDBEDA9ACE25}">
+  <ds:schemaRefs>
+    <ds:schemaRef ds:uri="http://schemas.microsoft.com/office/2006/metadata/contentType"/>
+    <ds:schemaRef ds:uri="http://schemas.microsoft.com/office/2006/metadata/properties/metaAttributes"/>
+    <ds:schemaRef ds:uri="http://www.w3.org/2001/XMLSchema"/>
+    <ds:schemaRef ds:uri="http://schemas.microsoft.com/office/2006/metadata/properties"/>
+    <ds:schemaRef ds:uri="5edd459b-714d-42ed-b78f-512da7d1c14e"/>
+    <ds:schemaRef ds:uri="http://schemas.microsoft.com/office/2006/documentManagement/types"/>
+    <ds:schemaRef ds:uri="http://schemas.microsoft.com/office/infopath/2007/PartnerControls"/>
+    <ds:schemaRef ds:uri="http://schemas.openxmlformats.org/package/2006/metadata/core-properties"/>
+    <ds:schemaRef ds:uri="http://purl.org/dc/elements/1.1/"/>
+    <ds:schemaRef ds:uri="http://purl.org/dc/terms/"/>
+    <ds:schemaRef ds:uri="http://schemas.microsoft.com/internal/obd"/>
+  </ds:schemaRefs>
+</ds:datastoreItem>
 </file>